--- a/480 FINAL.pptx
+++ b/480 FINAL.pptx
@@ -4900,7 +4900,7 @@
         </p:nvSpPr>
         <p:spPr>
           <a:xfrm>
-            <a:off x="311700" y="445025"/>
+            <a:off x="311700" y="77700"/>
             <a:ext cx="8520600" cy="707400"/>
           </a:xfrm>
           <a:prstGeom prst="rect">
@@ -4936,7 +4936,7 @@
         </p:nvSpPr>
         <p:spPr>
           <a:xfrm>
-            <a:off x="311700" y="1037725"/>
+            <a:off x="311700" y="683500"/>
             <a:ext cx="8674800" cy="3302700"/>
           </a:xfrm>
           <a:prstGeom prst="rect">
